--- a/亿级架构.pptx
+++ b/亿级架构.pptx
@@ -107,6 +107,11 @@
       </a:defRPr>
     </a:lvl9pPr>
   </p:defaultTextStyle>
+  <p:extLst>
+    <p:ext uri="{EFAFB233-063F-42B5-8137-9DF3F51BA10A}">
+      <p15:sldGuideLst xmlns:p15="http://schemas.microsoft.com/office/powerpoint/2012/main"/>
+    </p:ext>
+  </p:extLst>
 </p:presentation>
 </file>
 
@@ -192,7 +197,7 @@
           <a:p>
             <a:fld id="{9904746D-8A96-7844-B65A-5CBB2F07BED8}" type="datetimeFigureOut">
               <a:rPr kumimoji="1" lang="zh-CN" altLang="en-US" smtClean="0"/>
-              <a:t>2023/3/23</a:t>
+              <a:t>2023/3/24</a:t>
             </a:fld>
             <a:endParaRPr kumimoji="1" lang="zh-CN" altLang="en-US"/>
           </a:p>
@@ -590,7 +595,7 @@
           <a:p>
             <a:fld id="{C998808C-AFD4-3141-BF67-B2163623D0BF}" type="datetimeFigureOut">
               <a:rPr kumimoji="1" lang="zh-CN" altLang="en-US" smtClean="0"/>
-              <a:t>2023/3/23</a:t>
+              <a:t>2023/3/24</a:t>
             </a:fld>
             <a:endParaRPr kumimoji="1" lang="zh-CN" altLang="en-US"/>
           </a:p>
@@ -760,7 +765,7 @@
           <a:p>
             <a:fld id="{C998808C-AFD4-3141-BF67-B2163623D0BF}" type="datetimeFigureOut">
               <a:rPr kumimoji="1" lang="zh-CN" altLang="en-US" smtClean="0"/>
-              <a:t>2023/3/23</a:t>
+              <a:t>2023/3/24</a:t>
             </a:fld>
             <a:endParaRPr kumimoji="1" lang="zh-CN" altLang="en-US"/>
           </a:p>
@@ -940,7 +945,7 @@
           <a:p>
             <a:fld id="{C998808C-AFD4-3141-BF67-B2163623D0BF}" type="datetimeFigureOut">
               <a:rPr kumimoji="1" lang="zh-CN" altLang="en-US" smtClean="0"/>
-              <a:t>2023/3/23</a:t>
+              <a:t>2023/3/24</a:t>
             </a:fld>
             <a:endParaRPr kumimoji="1" lang="zh-CN" altLang="en-US"/>
           </a:p>
@@ -1110,7 +1115,7 @@
           <a:p>
             <a:fld id="{C998808C-AFD4-3141-BF67-B2163623D0BF}" type="datetimeFigureOut">
               <a:rPr kumimoji="1" lang="zh-CN" altLang="en-US" smtClean="0"/>
-              <a:t>2023/3/23</a:t>
+              <a:t>2023/3/24</a:t>
             </a:fld>
             <a:endParaRPr kumimoji="1" lang="zh-CN" altLang="en-US"/>
           </a:p>
@@ -1356,7 +1361,7 @@
           <a:p>
             <a:fld id="{C998808C-AFD4-3141-BF67-B2163623D0BF}" type="datetimeFigureOut">
               <a:rPr kumimoji="1" lang="zh-CN" altLang="en-US" smtClean="0"/>
-              <a:t>2023/3/23</a:t>
+              <a:t>2023/3/24</a:t>
             </a:fld>
             <a:endParaRPr kumimoji="1" lang="zh-CN" altLang="en-US"/>
           </a:p>
@@ -1588,7 +1593,7 @@
           <a:p>
             <a:fld id="{C998808C-AFD4-3141-BF67-B2163623D0BF}" type="datetimeFigureOut">
               <a:rPr kumimoji="1" lang="zh-CN" altLang="en-US" smtClean="0"/>
-              <a:t>2023/3/23</a:t>
+              <a:t>2023/3/24</a:t>
             </a:fld>
             <a:endParaRPr kumimoji="1" lang="zh-CN" altLang="en-US"/>
           </a:p>
@@ -1955,7 +1960,7 @@
           <a:p>
             <a:fld id="{C998808C-AFD4-3141-BF67-B2163623D0BF}" type="datetimeFigureOut">
               <a:rPr kumimoji="1" lang="zh-CN" altLang="en-US" smtClean="0"/>
-              <a:t>2023/3/23</a:t>
+              <a:t>2023/3/24</a:t>
             </a:fld>
             <a:endParaRPr kumimoji="1" lang="zh-CN" altLang="en-US"/>
           </a:p>
@@ -2073,7 +2078,7 @@
           <a:p>
             <a:fld id="{C998808C-AFD4-3141-BF67-B2163623D0BF}" type="datetimeFigureOut">
               <a:rPr kumimoji="1" lang="zh-CN" altLang="en-US" smtClean="0"/>
-              <a:t>2023/3/23</a:t>
+              <a:t>2023/3/24</a:t>
             </a:fld>
             <a:endParaRPr kumimoji="1" lang="zh-CN" altLang="en-US"/>
           </a:p>
@@ -2168,7 +2173,7 @@
           <a:p>
             <a:fld id="{C998808C-AFD4-3141-BF67-B2163623D0BF}" type="datetimeFigureOut">
               <a:rPr kumimoji="1" lang="zh-CN" altLang="en-US" smtClean="0"/>
-              <a:t>2023/3/23</a:t>
+              <a:t>2023/3/24</a:t>
             </a:fld>
             <a:endParaRPr kumimoji="1" lang="zh-CN" altLang="en-US"/>
           </a:p>
@@ -2445,7 +2450,7 @@
           <a:p>
             <a:fld id="{C998808C-AFD4-3141-BF67-B2163623D0BF}" type="datetimeFigureOut">
               <a:rPr kumimoji="1" lang="zh-CN" altLang="en-US" smtClean="0"/>
-              <a:t>2023/3/23</a:t>
+              <a:t>2023/3/24</a:t>
             </a:fld>
             <a:endParaRPr kumimoji="1" lang="zh-CN" altLang="en-US"/>
           </a:p>
@@ -2702,7 +2707,7 @@
           <a:p>
             <a:fld id="{C998808C-AFD4-3141-BF67-B2163623D0BF}" type="datetimeFigureOut">
               <a:rPr kumimoji="1" lang="zh-CN" altLang="en-US" smtClean="0"/>
-              <a:t>2023/3/23</a:t>
+              <a:t>2023/3/24</a:t>
             </a:fld>
             <a:endParaRPr kumimoji="1" lang="zh-CN" altLang="en-US"/>
           </a:p>
@@ -2915,7 +2920,7 @@
           <a:p>
             <a:fld id="{C998808C-AFD4-3141-BF67-B2163623D0BF}" type="datetimeFigureOut">
               <a:rPr kumimoji="1" lang="zh-CN" altLang="en-US" smtClean="0"/>
-              <a:t>2023/3/23</a:t>
+              <a:t>2023/3/24</a:t>
             </a:fld>
             <a:endParaRPr kumimoji="1" lang="zh-CN" altLang="en-US"/>
           </a:p>
@@ -7689,6 +7694,76 @@
           </p:txBody>
         </p:sp>
       </p:grpSp>
+      <p:sp>
+        <p:nvSpPr>
+          <p:cNvPr id="2" name="矩形 1">
+            <a:extLst>
+              <a:ext uri="{FF2B5EF4-FFF2-40B4-BE49-F238E27FC236}">
+                <a16:creationId xmlns:a16="http://schemas.microsoft.com/office/drawing/2014/main" id="{249E2647-F1B0-A6C4-5AA3-E57AFCBC9A1B}"/>
+              </a:ext>
+            </a:extLst>
+          </p:cNvPr>
+          <p:cNvSpPr/>
+          <p:nvPr/>
+        </p:nvSpPr>
+        <p:spPr>
+          <a:xfrm>
+            <a:off x="7900710" y="3353111"/>
+            <a:ext cx="1033012" cy="364577"/>
+          </a:xfrm>
+          <a:prstGeom prst="rect">
+            <a:avLst/>
+          </a:prstGeom>
+          <a:solidFill>
+            <a:schemeClr val="bg1">
+              <a:lumMod val="65000"/>
+            </a:schemeClr>
+          </a:solidFill>
+          <a:ln>
+            <a:noFill/>
+          </a:ln>
+        </p:spPr>
+        <p:style>
+          <a:lnRef idx="2">
+            <a:schemeClr val="accent1">
+              <a:shade val="50000"/>
+            </a:schemeClr>
+          </a:lnRef>
+          <a:fillRef idx="1">
+            <a:schemeClr val="accent1"/>
+          </a:fillRef>
+          <a:effectRef idx="0">
+            <a:schemeClr val="accent1"/>
+          </a:effectRef>
+          <a:fontRef idx="minor">
+            <a:schemeClr val="lt1"/>
+          </a:fontRef>
+        </p:style>
+        <p:txBody>
+          <a:bodyPr rtlCol="0" anchor="ctr"/>
+          <a:lstStyle/>
+          <a:p>
+            <a:pPr algn="ctr"/>
+            <a:r>
+              <a:rPr kumimoji="1" lang="en-US" altLang="zh-CN" sz="1351" dirty="0">
+                <a:solidFill>
+                  <a:schemeClr val="bg1"/>
+                </a:solidFill>
+                <a:latin typeface="SimHei" panose="02010609060101010101" pitchFamily="49" charset="-122"/>
+                <a:ea typeface="SimHei" panose="02010609060101010101" pitchFamily="49" charset="-122"/>
+              </a:rPr>
+              <a:t>CMDB</a:t>
+            </a:r>
+            <a:endParaRPr kumimoji="1" lang="zh-CN" altLang="en-US" sz="1351" dirty="0">
+              <a:solidFill>
+                <a:schemeClr val="bg1"/>
+              </a:solidFill>
+              <a:latin typeface="SimHei" panose="02010609060101010101" pitchFamily="49" charset="-122"/>
+              <a:ea typeface="SimHei" panose="02010609060101010101" pitchFamily="49" charset="-122"/>
+            </a:endParaRPr>
+          </a:p>
+        </p:txBody>
+      </p:sp>
     </p:spTree>
     <p:extLst>
       <p:ext uri="{BB962C8B-B14F-4D97-AF65-F5344CB8AC3E}">
